--- a/logo.pptx
+++ b/logo.pptx
@@ -3069,10 +3069,10 @@
         </p:nvGrpSpPr>
         <p:grpSpPr>
           <a:xfrm>
-            <a:off x="933450" y="1952201"/>
-            <a:ext cx="2619922" cy="858097"/>
-            <a:chOff x="0" y="0"/>
-            <a:chExt cx="3493229" cy="1144130"/>
+            <a:off x="933450" y="2030782"/>
+            <a:ext cx="2619921" cy="779516"/>
+            <a:chOff x="0" y="104775"/>
+            <a:chExt cx="3493228" cy="1039355"/>
           </a:xfrm>
         </p:grpSpPr>
         <p:sp>
@@ -3082,9 +3082,9 @@
             <p:nvPr/>
           </p:nvSpPr>
           <p:spPr>
-            <a:xfrm>
-              <a:off x="2791059" y="114832"/>
-              <a:ext cx="702170" cy="702170"/>
+            <a:xfrm rot="5400000">
+              <a:off x="2791058" y="114832"/>
+              <a:ext cx="702171" cy="702169"/>
             </a:xfrm>
             <a:custGeom>
               <a:avLst/>
